--- a/ppt/Python_9_Probability.pptx
+++ b/ppt/Python_9_Probability.pptx
@@ -267,7 +267,7 @@
           <a:p>
             <a:fld id="{0A8EF240-9E36-4B63-8EDD-71E2048E6C75}" type="datetimeFigureOut">
               <a:rPr lang="ko-KR" altLang="en-US" smtClean="0"/>
-              <a:t>2017-03-03</a:t>
+              <a:t>2017-05-24</a:t>
             </a:fld>
             <a:endParaRPr lang="ko-KR" altLang="en-US"/>
           </a:p>
@@ -437,7 +437,7 @@
           <a:p>
             <a:fld id="{0A8EF240-9E36-4B63-8EDD-71E2048E6C75}" type="datetimeFigureOut">
               <a:rPr lang="ko-KR" altLang="en-US" smtClean="0"/>
-              <a:t>2017-03-03</a:t>
+              <a:t>2017-05-24</a:t>
             </a:fld>
             <a:endParaRPr lang="ko-KR" altLang="en-US"/>
           </a:p>
@@ -617,7 +617,7 @@
           <a:p>
             <a:fld id="{0A8EF240-9E36-4B63-8EDD-71E2048E6C75}" type="datetimeFigureOut">
               <a:rPr lang="ko-KR" altLang="en-US" smtClean="0"/>
-              <a:t>2017-03-03</a:t>
+              <a:t>2017-05-24</a:t>
             </a:fld>
             <a:endParaRPr lang="ko-KR" altLang="en-US"/>
           </a:p>
@@ -787,7 +787,7 @@
           <a:p>
             <a:fld id="{0A8EF240-9E36-4B63-8EDD-71E2048E6C75}" type="datetimeFigureOut">
               <a:rPr lang="ko-KR" altLang="en-US" smtClean="0"/>
-              <a:t>2017-03-03</a:t>
+              <a:t>2017-05-24</a:t>
             </a:fld>
             <a:endParaRPr lang="ko-KR" altLang="en-US"/>
           </a:p>
@@ -1033,7 +1033,7 @@
           <a:p>
             <a:fld id="{0A8EF240-9E36-4B63-8EDD-71E2048E6C75}" type="datetimeFigureOut">
               <a:rPr lang="ko-KR" altLang="en-US" smtClean="0"/>
-              <a:t>2017-03-03</a:t>
+              <a:t>2017-05-24</a:t>
             </a:fld>
             <a:endParaRPr lang="ko-KR" altLang="en-US"/>
           </a:p>
@@ -1265,7 +1265,7 @@
           <a:p>
             <a:fld id="{0A8EF240-9E36-4B63-8EDD-71E2048E6C75}" type="datetimeFigureOut">
               <a:rPr lang="ko-KR" altLang="en-US" smtClean="0"/>
-              <a:t>2017-03-03</a:t>
+              <a:t>2017-05-24</a:t>
             </a:fld>
             <a:endParaRPr lang="ko-KR" altLang="en-US"/>
           </a:p>
@@ -1632,7 +1632,7 @@
           <a:p>
             <a:fld id="{0A8EF240-9E36-4B63-8EDD-71E2048E6C75}" type="datetimeFigureOut">
               <a:rPr lang="ko-KR" altLang="en-US" smtClean="0"/>
-              <a:t>2017-03-03</a:t>
+              <a:t>2017-05-24</a:t>
             </a:fld>
             <a:endParaRPr lang="ko-KR" altLang="en-US"/>
           </a:p>
@@ -1750,7 +1750,7 @@
           <a:p>
             <a:fld id="{0A8EF240-9E36-4B63-8EDD-71E2048E6C75}" type="datetimeFigureOut">
               <a:rPr lang="ko-KR" altLang="en-US" smtClean="0"/>
-              <a:t>2017-03-03</a:t>
+              <a:t>2017-05-24</a:t>
             </a:fld>
             <a:endParaRPr lang="ko-KR" altLang="en-US"/>
           </a:p>
@@ -1845,7 +1845,7 @@
           <a:p>
             <a:fld id="{0A8EF240-9E36-4B63-8EDD-71E2048E6C75}" type="datetimeFigureOut">
               <a:rPr lang="ko-KR" altLang="en-US" smtClean="0"/>
-              <a:t>2017-03-03</a:t>
+              <a:t>2017-05-24</a:t>
             </a:fld>
             <a:endParaRPr lang="ko-KR" altLang="en-US"/>
           </a:p>
@@ -2122,7 +2122,7 @@
           <a:p>
             <a:fld id="{0A8EF240-9E36-4B63-8EDD-71E2048E6C75}" type="datetimeFigureOut">
               <a:rPr lang="ko-KR" altLang="en-US" smtClean="0"/>
-              <a:t>2017-03-03</a:t>
+              <a:t>2017-05-24</a:t>
             </a:fld>
             <a:endParaRPr lang="ko-KR" altLang="en-US"/>
           </a:p>
@@ -2375,7 +2375,7 @@
           <a:p>
             <a:fld id="{0A8EF240-9E36-4B63-8EDD-71E2048E6C75}" type="datetimeFigureOut">
               <a:rPr lang="ko-KR" altLang="en-US" smtClean="0"/>
-              <a:t>2017-03-03</a:t>
+              <a:t>2017-05-24</a:t>
             </a:fld>
             <a:endParaRPr lang="ko-KR" altLang="en-US"/>
           </a:p>
@@ -2588,7 +2588,7 @@
           <a:p>
             <a:fld id="{0A8EF240-9E36-4B63-8EDD-71E2048E6C75}" type="datetimeFigureOut">
               <a:rPr lang="ko-KR" altLang="en-US" smtClean="0"/>
-              <a:t>2017-03-03</a:t>
+              <a:t>2017-05-24</a:t>
             </a:fld>
             <a:endParaRPr lang="ko-KR" altLang="en-US"/>
           </a:p>
@@ -6269,7 +6269,7 @@
                   <a:t>	return sum(</a:t>
                 </a:r>
                 <a:r>
-                  <a:rPr lang="en-US" altLang="ko-KR" smtClean="0"/>
+                  <a:rPr lang="en-US" altLang="ko-KR" dirty="0" err="1" smtClean="0"/>
                   <a:t>bernoulli_trial</a:t>
                 </a:r>
                 <a:r>
@@ -6837,7 +6837,19 @@
             </a:r>
             <a:r>
               <a:rPr lang="en-US" altLang="ko-KR" dirty="0" smtClean="0"/>
-              <a:t>(0.75, 100, 10000)</a:t>
+              <a:t>(100</a:t>
+            </a:r>
+            <a:r>
+              <a:rPr lang="en-US" altLang="ko-KR" dirty="0" smtClean="0"/>
+              <a:t>, </a:t>
+            </a:r>
+            <a:r>
+              <a:rPr lang="en-US" altLang="ko-KR" dirty="0" smtClean="0"/>
+              <a:t>0.75, 10000</a:t>
+            </a:r>
+            <a:r>
+              <a:rPr lang="en-US" altLang="ko-KR" dirty="0" smtClean="0"/>
+              <a:t>)</a:t>
             </a:r>
           </a:p>
           <a:p>
@@ -7397,7 +7409,11 @@
             </a:r>
             <a:r>
               <a:rPr lang="en-US" altLang="ko-KR" dirty="0" smtClean="0"/>
-              <a:t>(n, p, 10)</a:t>
+              <a:t>(n=10, p=0.4, size=10</a:t>
+            </a:r>
+            <a:r>
+              <a:rPr lang="en-US" altLang="ko-KR" dirty="0" smtClean="0"/>
+              <a:t>)</a:t>
             </a:r>
           </a:p>
           <a:p>
@@ -7439,7 +7455,23 @@
             </a:r>
             <a:r>
               <a:rPr lang="en-US" altLang="ko-KR" dirty="0" smtClean="0"/>
-              <a:t>(nu, 10)</a:t>
+              <a:t>(</a:t>
+            </a:r>
+            <a:r>
+              <a:rPr lang="en-US" altLang="ko-KR" dirty="0" err="1" smtClean="0"/>
+              <a:t>df</a:t>
+            </a:r>
+            <a:r>
+              <a:rPr lang="en-US" altLang="ko-KR" dirty="0" smtClean="0"/>
+              <a:t>=5</a:t>
+            </a:r>
+            <a:r>
+              <a:rPr lang="en-US" altLang="ko-KR" dirty="0" smtClean="0"/>
+              <a:t>, size=10</a:t>
+            </a:r>
+            <a:r>
+              <a:rPr lang="en-US" altLang="ko-KR" dirty="0" smtClean="0"/>
+              <a:t>)</a:t>
             </a:r>
           </a:p>
           <a:p>
@@ -7449,16 +7481,12 @@
               <a:t>자유도 </a:t>
             </a:r>
             <a:r>
-              <a:rPr lang="en-US" altLang="ko-KR" dirty="0" smtClean="0"/>
-              <a:t>nu</a:t>
-            </a:r>
-            <a:r>
-              <a:rPr lang="ko-KR" altLang="en-US" dirty="0"/>
-              <a:t>의</a:t>
+              <a:rPr lang="en-US" altLang="ko-KR" dirty="0" err="1" smtClean="0"/>
+              <a:t>df</a:t>
             </a:r>
             <a:r>
               <a:rPr lang="ko-KR" altLang="en-US" dirty="0" smtClean="0"/>
-              <a:t> </a:t>
+              <a:t>의 </a:t>
             </a:r>
             <a:r>
               <a:rPr lang="en-US" altLang="ko-KR" dirty="0" smtClean="0"/>
@@ -8736,10 +8764,6 @@
           <a:lstStyle/>
           <a:p>
             <a:r>
-              <a:rPr lang="ko-KR" altLang="en-US" dirty="0" smtClean="0"/>
-              <a:t>이 교과목에서는 다루지 않지만 </a:t>
-            </a:r>
-            <a:r>
               <a:rPr lang="en-US" altLang="ko-KR" dirty="0" err="1" smtClean="0"/>
               <a:t>scipy.stats</a:t>
             </a:r>
@@ -8838,7 +8862,7 @@
           </a:p>
           <a:p>
             <a:r>
-              <a:rPr lang="en-US" altLang="ko-KR" smtClean="0"/>
+              <a:rPr lang="en-US" altLang="ko-KR" dirty="0" smtClean="0"/>
               <a:t>http://docs.scipy.org/doc/scipy/reference/stats.html</a:t>
             </a:r>
             <a:endParaRPr lang="ko-KR" altLang="en-US" dirty="0"/>

--- a/ppt/Python_9_Probability.pptx
+++ b/ppt/Python_9_Probability.pptx
@@ -267,7 +267,7 @@
           <a:p>
             <a:fld id="{0A8EF240-9E36-4B63-8EDD-71E2048E6C75}" type="datetimeFigureOut">
               <a:rPr lang="ko-KR" altLang="en-US" smtClean="0"/>
-              <a:t>2017-05-24</a:t>
+              <a:t>2017-06-01</a:t>
             </a:fld>
             <a:endParaRPr lang="ko-KR" altLang="en-US"/>
           </a:p>
@@ -437,7 +437,7 @@
           <a:p>
             <a:fld id="{0A8EF240-9E36-4B63-8EDD-71E2048E6C75}" type="datetimeFigureOut">
               <a:rPr lang="ko-KR" altLang="en-US" smtClean="0"/>
-              <a:t>2017-05-24</a:t>
+              <a:t>2017-06-01</a:t>
             </a:fld>
             <a:endParaRPr lang="ko-KR" altLang="en-US"/>
           </a:p>
@@ -617,7 +617,7 @@
           <a:p>
             <a:fld id="{0A8EF240-9E36-4B63-8EDD-71E2048E6C75}" type="datetimeFigureOut">
               <a:rPr lang="ko-KR" altLang="en-US" smtClean="0"/>
-              <a:t>2017-05-24</a:t>
+              <a:t>2017-06-01</a:t>
             </a:fld>
             <a:endParaRPr lang="ko-KR" altLang="en-US"/>
           </a:p>
@@ -787,7 +787,7 @@
           <a:p>
             <a:fld id="{0A8EF240-9E36-4B63-8EDD-71E2048E6C75}" type="datetimeFigureOut">
               <a:rPr lang="ko-KR" altLang="en-US" smtClean="0"/>
-              <a:t>2017-05-24</a:t>
+              <a:t>2017-06-01</a:t>
             </a:fld>
             <a:endParaRPr lang="ko-KR" altLang="en-US"/>
           </a:p>
@@ -1033,7 +1033,7 @@
           <a:p>
             <a:fld id="{0A8EF240-9E36-4B63-8EDD-71E2048E6C75}" type="datetimeFigureOut">
               <a:rPr lang="ko-KR" altLang="en-US" smtClean="0"/>
-              <a:t>2017-05-24</a:t>
+              <a:t>2017-06-01</a:t>
             </a:fld>
             <a:endParaRPr lang="ko-KR" altLang="en-US"/>
           </a:p>
@@ -1265,7 +1265,7 @@
           <a:p>
             <a:fld id="{0A8EF240-9E36-4B63-8EDD-71E2048E6C75}" type="datetimeFigureOut">
               <a:rPr lang="ko-KR" altLang="en-US" smtClean="0"/>
-              <a:t>2017-05-24</a:t>
+              <a:t>2017-06-01</a:t>
             </a:fld>
             <a:endParaRPr lang="ko-KR" altLang="en-US"/>
           </a:p>
@@ -1632,7 +1632,7 @@
           <a:p>
             <a:fld id="{0A8EF240-9E36-4B63-8EDD-71E2048E6C75}" type="datetimeFigureOut">
               <a:rPr lang="ko-KR" altLang="en-US" smtClean="0"/>
-              <a:t>2017-05-24</a:t>
+              <a:t>2017-06-01</a:t>
             </a:fld>
             <a:endParaRPr lang="ko-KR" altLang="en-US"/>
           </a:p>
@@ -1750,7 +1750,7 @@
           <a:p>
             <a:fld id="{0A8EF240-9E36-4B63-8EDD-71E2048E6C75}" type="datetimeFigureOut">
               <a:rPr lang="ko-KR" altLang="en-US" smtClean="0"/>
-              <a:t>2017-05-24</a:t>
+              <a:t>2017-06-01</a:t>
             </a:fld>
             <a:endParaRPr lang="ko-KR" altLang="en-US"/>
           </a:p>
@@ -1845,7 +1845,7 @@
           <a:p>
             <a:fld id="{0A8EF240-9E36-4B63-8EDD-71E2048E6C75}" type="datetimeFigureOut">
               <a:rPr lang="ko-KR" altLang="en-US" smtClean="0"/>
-              <a:t>2017-05-24</a:t>
+              <a:t>2017-06-01</a:t>
             </a:fld>
             <a:endParaRPr lang="ko-KR" altLang="en-US"/>
           </a:p>
@@ -2122,7 +2122,7 @@
           <a:p>
             <a:fld id="{0A8EF240-9E36-4B63-8EDD-71E2048E6C75}" type="datetimeFigureOut">
               <a:rPr lang="ko-KR" altLang="en-US" smtClean="0"/>
-              <a:t>2017-05-24</a:t>
+              <a:t>2017-06-01</a:t>
             </a:fld>
             <a:endParaRPr lang="ko-KR" altLang="en-US"/>
           </a:p>
@@ -2375,7 +2375,7 @@
           <a:p>
             <a:fld id="{0A8EF240-9E36-4B63-8EDD-71E2048E6C75}" type="datetimeFigureOut">
               <a:rPr lang="ko-KR" altLang="en-US" smtClean="0"/>
-              <a:t>2017-05-24</a:t>
+              <a:t>2017-06-01</a:t>
             </a:fld>
             <a:endParaRPr lang="ko-KR" altLang="en-US"/>
           </a:p>
@@ -2588,7 +2588,7 @@
           <a:p>
             <a:fld id="{0A8EF240-9E36-4B63-8EDD-71E2048E6C75}" type="datetimeFigureOut">
               <a:rPr lang="ko-KR" altLang="en-US" smtClean="0"/>
-              <a:t>2017-05-24</a:t>
+              <a:t>2017-06-01</a:t>
             </a:fld>
             <a:endParaRPr lang="ko-KR" altLang="en-US"/>
           </a:p>
@@ -6554,7 +6554,15 @@
             </a:r>
             <a:r>
               <a:rPr lang="en-US" altLang="ko-KR" dirty="0" smtClean="0"/>
-              <a:t>([x - 0.4 for x in </a:t>
+              <a:t>([x </a:t>
+            </a:r>
+            <a:r>
+              <a:rPr lang="en-US" altLang="ko-KR" dirty="0" smtClean="0"/>
+              <a:t>for </a:t>
+            </a:r>
+            <a:r>
+              <a:rPr lang="en-US" altLang="ko-KR" dirty="0" smtClean="0"/>
+              <a:t>x in </a:t>
             </a:r>
             <a:r>
               <a:rPr lang="en-US" altLang="ko-KR" dirty="0" err="1" smtClean="0"/>
@@ -6667,7 +6675,7 @@
             </a:r>
             <a:r>
               <a:rPr lang="en-US" altLang="ko-KR" dirty="0" err="1" smtClean="0"/>
-              <a:t>normal_cdf</a:t>
+              <a:t>normal_pdf</a:t>
             </a:r>
             <a:r>
               <a:rPr lang="en-US" altLang="ko-KR" dirty="0" smtClean="0"/>
@@ -6679,23 +6687,11 @@
             </a:r>
             <a:r>
               <a:rPr lang="en-US" altLang="ko-KR" dirty="0" smtClean="0"/>
-              <a:t> + 0.5, mu, sigma) - </a:t>
-            </a:r>
-            <a:r>
-              <a:rPr lang="en-US" altLang="ko-KR" dirty="0" err="1" smtClean="0"/>
-              <a:t>normal_cdf</a:t>
-            </a:r>
-            <a:r>
-              <a:rPr lang="en-US" altLang="ko-KR" dirty="0" smtClean="0"/>
-              <a:t>(</a:t>
-            </a:r>
-            <a:r>
-              <a:rPr lang="en-US" altLang="ko-KR" dirty="0" err="1" smtClean="0"/>
-              <a:t>i</a:t>
-            </a:r>
-            <a:r>
-              <a:rPr lang="en-US" altLang="ko-KR" dirty="0" smtClean="0"/>
-              <a:t> - 0.5, mu, sigma) for </a:t>
+              <a:t>) </a:t>
+            </a:r>
+            <a:r>
+              <a:rPr lang="en-US" altLang="ko-KR" dirty="0" smtClean="0"/>
+              <a:t>for </a:t>
             </a:r>
             <a:r>
               <a:rPr lang="en-US" altLang="ko-KR" dirty="0" err="1" smtClean="0"/>
@@ -6837,19 +6833,7 @@
             </a:r>
             <a:r>
               <a:rPr lang="en-US" altLang="ko-KR" dirty="0" smtClean="0"/>
-              <a:t>(100</a:t>
-            </a:r>
-            <a:r>
-              <a:rPr lang="en-US" altLang="ko-KR" dirty="0" smtClean="0"/>
-              <a:t>, </a:t>
-            </a:r>
-            <a:r>
-              <a:rPr lang="en-US" altLang="ko-KR" dirty="0" smtClean="0"/>
-              <a:t>0.75, 10000</a:t>
-            </a:r>
-            <a:r>
-              <a:rPr lang="en-US" altLang="ko-KR" dirty="0" smtClean="0"/>
-              <a:t>)</a:t>
+              <a:t>(100, 0.75, 10000)</a:t>
             </a:r>
           </a:p>
           <a:p>
@@ -7409,11 +7393,7 @@
             </a:r>
             <a:r>
               <a:rPr lang="en-US" altLang="ko-KR" dirty="0" smtClean="0"/>
-              <a:t>(n=10, p=0.4, size=10</a:t>
-            </a:r>
-            <a:r>
-              <a:rPr lang="en-US" altLang="ko-KR" dirty="0" smtClean="0"/>
-              <a:t>)</a:t>
+              <a:t>(n=10, p=0.4, size=10)</a:t>
             </a:r>
           </a:p>
           <a:p>
@@ -7463,15 +7443,7 @@
             </a:r>
             <a:r>
               <a:rPr lang="en-US" altLang="ko-KR" dirty="0" smtClean="0"/>
-              <a:t>=5</a:t>
-            </a:r>
-            <a:r>
-              <a:rPr lang="en-US" altLang="ko-KR" dirty="0" smtClean="0"/>
-              <a:t>, size=10</a:t>
-            </a:r>
-            <a:r>
-              <a:rPr lang="en-US" altLang="ko-KR" dirty="0" smtClean="0"/>
-              <a:t>)</a:t>
+              <a:t>=5, size=10)</a:t>
             </a:r>
           </a:p>
           <a:p>
@@ -7949,6 +7921,13 @@
             <a:pPr marL="0" indent="0">
               <a:buNone/>
             </a:pPr>
+            <a:r>
+              <a:rPr lang="en-US" altLang="ko-KR" dirty="0"/>
+              <a:t>mu, sigma, n = 5, 3, 10</a:t>
+            </a:r>
+            <a:br>
+              <a:rPr lang="en-US" altLang="ko-KR" dirty="0"/>
+            </a:br>
             <a:endParaRPr lang="en-US" altLang="ko-KR" dirty="0"/>
           </a:p>
           <a:p>
@@ -7973,18 +7952,7 @@
               <a:buNone/>
             </a:pPr>
             <a:r>
-              <a:rPr lang="en-US" altLang="ko-KR" dirty="0"/>
-              <a:t>    mu, sigma, n = 5, 3, </a:t>
-            </a:r>
-            <a:r>
-              <a:rPr lang="en-US" altLang="ko-KR" dirty="0" smtClean="0"/>
-              <a:t>10</a:t>
-            </a:r>
-            <a:br>
-              <a:rPr lang="en-US" altLang="ko-KR" dirty="0" smtClean="0"/>
-            </a:br>
-            <a:r>
-              <a:rPr lang="en-US" altLang="ko-KR" dirty="0" smtClean="0"/>
+              <a:rPr lang="en-US" altLang="ko-KR" smtClean="0"/>
               <a:t>    x </a:t>
             </a:r>
             <a:r>

--- a/ppt/Python_9_Probability.pptx
+++ b/ppt/Python_9_Probability.pptx
@@ -267,7 +267,7 @@
           <a:p>
             <a:fld id="{0A8EF240-9E36-4B63-8EDD-71E2048E6C75}" type="datetimeFigureOut">
               <a:rPr lang="ko-KR" altLang="en-US" smtClean="0"/>
-              <a:t>2017-06-01</a:t>
+              <a:t>2017-06-02</a:t>
             </a:fld>
             <a:endParaRPr lang="ko-KR" altLang="en-US"/>
           </a:p>
@@ -437,7 +437,7 @@
           <a:p>
             <a:fld id="{0A8EF240-9E36-4B63-8EDD-71E2048E6C75}" type="datetimeFigureOut">
               <a:rPr lang="ko-KR" altLang="en-US" smtClean="0"/>
-              <a:t>2017-06-01</a:t>
+              <a:t>2017-06-02</a:t>
             </a:fld>
             <a:endParaRPr lang="ko-KR" altLang="en-US"/>
           </a:p>
@@ -617,7 +617,7 @@
           <a:p>
             <a:fld id="{0A8EF240-9E36-4B63-8EDD-71E2048E6C75}" type="datetimeFigureOut">
               <a:rPr lang="ko-KR" altLang="en-US" smtClean="0"/>
-              <a:t>2017-06-01</a:t>
+              <a:t>2017-06-02</a:t>
             </a:fld>
             <a:endParaRPr lang="ko-KR" altLang="en-US"/>
           </a:p>
@@ -787,7 +787,7 @@
           <a:p>
             <a:fld id="{0A8EF240-9E36-4B63-8EDD-71E2048E6C75}" type="datetimeFigureOut">
               <a:rPr lang="ko-KR" altLang="en-US" smtClean="0"/>
-              <a:t>2017-06-01</a:t>
+              <a:t>2017-06-02</a:t>
             </a:fld>
             <a:endParaRPr lang="ko-KR" altLang="en-US"/>
           </a:p>
@@ -1033,7 +1033,7 @@
           <a:p>
             <a:fld id="{0A8EF240-9E36-4B63-8EDD-71E2048E6C75}" type="datetimeFigureOut">
               <a:rPr lang="ko-KR" altLang="en-US" smtClean="0"/>
-              <a:t>2017-06-01</a:t>
+              <a:t>2017-06-02</a:t>
             </a:fld>
             <a:endParaRPr lang="ko-KR" altLang="en-US"/>
           </a:p>
@@ -1265,7 +1265,7 @@
           <a:p>
             <a:fld id="{0A8EF240-9E36-4B63-8EDD-71E2048E6C75}" type="datetimeFigureOut">
               <a:rPr lang="ko-KR" altLang="en-US" smtClean="0"/>
-              <a:t>2017-06-01</a:t>
+              <a:t>2017-06-02</a:t>
             </a:fld>
             <a:endParaRPr lang="ko-KR" altLang="en-US"/>
           </a:p>
@@ -1632,7 +1632,7 @@
           <a:p>
             <a:fld id="{0A8EF240-9E36-4B63-8EDD-71E2048E6C75}" type="datetimeFigureOut">
               <a:rPr lang="ko-KR" altLang="en-US" smtClean="0"/>
-              <a:t>2017-06-01</a:t>
+              <a:t>2017-06-02</a:t>
             </a:fld>
             <a:endParaRPr lang="ko-KR" altLang="en-US"/>
           </a:p>
@@ -1750,7 +1750,7 @@
           <a:p>
             <a:fld id="{0A8EF240-9E36-4B63-8EDD-71E2048E6C75}" type="datetimeFigureOut">
               <a:rPr lang="ko-KR" altLang="en-US" smtClean="0"/>
-              <a:t>2017-06-01</a:t>
+              <a:t>2017-06-02</a:t>
             </a:fld>
             <a:endParaRPr lang="ko-KR" altLang="en-US"/>
           </a:p>
@@ -1845,7 +1845,7 @@
           <a:p>
             <a:fld id="{0A8EF240-9E36-4B63-8EDD-71E2048E6C75}" type="datetimeFigureOut">
               <a:rPr lang="ko-KR" altLang="en-US" smtClean="0"/>
-              <a:t>2017-06-01</a:t>
+              <a:t>2017-06-02</a:t>
             </a:fld>
             <a:endParaRPr lang="ko-KR" altLang="en-US"/>
           </a:p>
@@ -2122,7 +2122,7 @@
           <a:p>
             <a:fld id="{0A8EF240-9E36-4B63-8EDD-71E2048E6C75}" type="datetimeFigureOut">
               <a:rPr lang="ko-KR" altLang="en-US" smtClean="0"/>
-              <a:t>2017-06-01</a:t>
+              <a:t>2017-06-02</a:t>
             </a:fld>
             <a:endParaRPr lang="ko-KR" altLang="en-US"/>
           </a:p>
@@ -2375,7 +2375,7 @@
           <a:p>
             <a:fld id="{0A8EF240-9E36-4B63-8EDD-71E2048E6C75}" type="datetimeFigureOut">
               <a:rPr lang="ko-KR" altLang="en-US" smtClean="0"/>
-              <a:t>2017-06-01</a:t>
+              <a:t>2017-06-02</a:t>
             </a:fld>
             <a:endParaRPr lang="ko-KR" altLang="en-US"/>
           </a:p>
@@ -2588,7 +2588,7 @@
           <a:p>
             <a:fld id="{0A8EF240-9E36-4B63-8EDD-71E2048E6C75}" type="datetimeFigureOut">
               <a:rPr lang="ko-KR" altLang="en-US" smtClean="0"/>
-              <a:t>2017-06-01</a:t>
+              <a:t>2017-06-02</a:t>
             </a:fld>
             <a:endParaRPr lang="ko-KR" altLang="en-US"/>
           </a:p>
@@ -6554,15 +6554,7 @@
             </a:r>
             <a:r>
               <a:rPr lang="en-US" altLang="ko-KR" dirty="0" smtClean="0"/>
-              <a:t>([x </a:t>
-            </a:r>
-            <a:r>
-              <a:rPr lang="en-US" altLang="ko-KR" dirty="0" smtClean="0"/>
-              <a:t>for </a:t>
-            </a:r>
-            <a:r>
-              <a:rPr lang="en-US" altLang="ko-KR" dirty="0" smtClean="0"/>
-              <a:t>x in </a:t>
+              <a:t>([x for x in </a:t>
             </a:r>
             <a:r>
               <a:rPr lang="en-US" altLang="ko-KR" dirty="0" err="1" smtClean="0"/>
@@ -6687,11 +6679,7 @@
             </a:r>
             <a:r>
               <a:rPr lang="en-US" altLang="ko-KR" dirty="0" smtClean="0"/>
-              <a:t>) </a:t>
-            </a:r>
-            <a:r>
-              <a:rPr lang="en-US" altLang="ko-KR" dirty="0" smtClean="0"/>
-              <a:t>for </a:t>
+              <a:t>) for </a:t>
             </a:r>
             <a:r>
               <a:rPr lang="en-US" altLang="ko-KR" dirty="0" err="1" smtClean="0"/>
@@ -7952,7 +7940,7 @@
               <a:buNone/>
             </a:pPr>
             <a:r>
-              <a:rPr lang="en-US" altLang="ko-KR" smtClean="0"/>
+              <a:rPr lang="en-US" altLang="ko-KR" dirty="0" smtClean="0"/>
               <a:t>    x </a:t>
             </a:r>
             <a:r>
@@ -8017,12 +8005,28 @@
               <a:t>(), </a:t>
             </a:r>
             <a:r>
-              <a:rPr lang="en-US" altLang="ko-KR" dirty="0" err="1"/>
+              <a:rPr lang="en-US" altLang="ko-KR" dirty="0" err="1" smtClean="0"/>
               <a:t>x.std</a:t>
             </a:r>
             <a:r>
               <a:rPr lang="en-US" altLang="ko-KR" dirty="0" smtClean="0"/>
-              <a:t>()</a:t>
+              <a:t>(</a:t>
+            </a:r>
+            <a:r>
+              <a:rPr lang="en-US" altLang="ko-KR" smtClean="0"/>
+              <a:t>ddof</a:t>
+            </a:r>
+            <a:r>
+              <a:rPr lang="en-US" altLang="ko-KR" dirty="0" smtClean="0"/>
+              <a:t>=1</a:t>
+            </a:r>
+            <a:r>
+              <a:rPr lang="en-US" altLang="ko-KR" dirty="0" smtClean="0"/>
+              <a:t>)</a:t>
+            </a:r>
+            <a:r>
+              <a:rPr lang="en-US" altLang="ko-KR" dirty="0" smtClean="0"/>
+              <a:t/>
             </a:r>
             <a:br>
               <a:rPr lang="en-US" altLang="ko-KR" dirty="0" smtClean="0"/>

--- a/ppt/Python_9_Probability.pptx
+++ b/ppt/Python_9_Probability.pptx
@@ -267,7 +267,7 @@
           <a:p>
             <a:fld id="{0A8EF240-9E36-4B63-8EDD-71E2048E6C75}" type="datetimeFigureOut">
               <a:rPr lang="ko-KR" altLang="en-US" smtClean="0"/>
-              <a:t>2017-06-02</a:t>
+              <a:t>2018-02-28</a:t>
             </a:fld>
             <a:endParaRPr lang="ko-KR" altLang="en-US"/>
           </a:p>
@@ -437,7 +437,7 @@
           <a:p>
             <a:fld id="{0A8EF240-9E36-4B63-8EDD-71E2048E6C75}" type="datetimeFigureOut">
               <a:rPr lang="ko-KR" altLang="en-US" smtClean="0"/>
-              <a:t>2017-06-02</a:t>
+              <a:t>2018-02-28</a:t>
             </a:fld>
             <a:endParaRPr lang="ko-KR" altLang="en-US"/>
           </a:p>
@@ -617,7 +617,7 @@
           <a:p>
             <a:fld id="{0A8EF240-9E36-4B63-8EDD-71E2048E6C75}" type="datetimeFigureOut">
               <a:rPr lang="ko-KR" altLang="en-US" smtClean="0"/>
-              <a:t>2017-06-02</a:t>
+              <a:t>2018-02-28</a:t>
             </a:fld>
             <a:endParaRPr lang="ko-KR" altLang="en-US"/>
           </a:p>
@@ -787,7 +787,7 @@
           <a:p>
             <a:fld id="{0A8EF240-9E36-4B63-8EDD-71E2048E6C75}" type="datetimeFigureOut">
               <a:rPr lang="ko-KR" altLang="en-US" smtClean="0"/>
-              <a:t>2017-06-02</a:t>
+              <a:t>2018-02-28</a:t>
             </a:fld>
             <a:endParaRPr lang="ko-KR" altLang="en-US"/>
           </a:p>
@@ -1033,7 +1033,7 @@
           <a:p>
             <a:fld id="{0A8EF240-9E36-4B63-8EDD-71E2048E6C75}" type="datetimeFigureOut">
               <a:rPr lang="ko-KR" altLang="en-US" smtClean="0"/>
-              <a:t>2017-06-02</a:t>
+              <a:t>2018-02-28</a:t>
             </a:fld>
             <a:endParaRPr lang="ko-KR" altLang="en-US"/>
           </a:p>
@@ -1265,7 +1265,7 @@
           <a:p>
             <a:fld id="{0A8EF240-9E36-4B63-8EDD-71E2048E6C75}" type="datetimeFigureOut">
               <a:rPr lang="ko-KR" altLang="en-US" smtClean="0"/>
-              <a:t>2017-06-02</a:t>
+              <a:t>2018-02-28</a:t>
             </a:fld>
             <a:endParaRPr lang="ko-KR" altLang="en-US"/>
           </a:p>
@@ -1632,7 +1632,7 @@
           <a:p>
             <a:fld id="{0A8EF240-9E36-4B63-8EDD-71E2048E6C75}" type="datetimeFigureOut">
               <a:rPr lang="ko-KR" altLang="en-US" smtClean="0"/>
-              <a:t>2017-06-02</a:t>
+              <a:t>2018-02-28</a:t>
             </a:fld>
             <a:endParaRPr lang="ko-KR" altLang="en-US"/>
           </a:p>
@@ -1750,7 +1750,7 @@
           <a:p>
             <a:fld id="{0A8EF240-9E36-4B63-8EDD-71E2048E6C75}" type="datetimeFigureOut">
               <a:rPr lang="ko-KR" altLang="en-US" smtClean="0"/>
-              <a:t>2017-06-02</a:t>
+              <a:t>2018-02-28</a:t>
             </a:fld>
             <a:endParaRPr lang="ko-KR" altLang="en-US"/>
           </a:p>
@@ -1845,7 +1845,7 @@
           <a:p>
             <a:fld id="{0A8EF240-9E36-4B63-8EDD-71E2048E6C75}" type="datetimeFigureOut">
               <a:rPr lang="ko-KR" altLang="en-US" smtClean="0"/>
-              <a:t>2017-06-02</a:t>
+              <a:t>2018-02-28</a:t>
             </a:fld>
             <a:endParaRPr lang="ko-KR" altLang="en-US"/>
           </a:p>
@@ -2122,7 +2122,7 @@
           <a:p>
             <a:fld id="{0A8EF240-9E36-4B63-8EDD-71E2048E6C75}" type="datetimeFigureOut">
               <a:rPr lang="ko-KR" altLang="en-US" smtClean="0"/>
-              <a:t>2017-06-02</a:t>
+              <a:t>2018-02-28</a:t>
             </a:fld>
             <a:endParaRPr lang="ko-KR" altLang="en-US"/>
           </a:p>
@@ -2375,7 +2375,7 @@
           <a:p>
             <a:fld id="{0A8EF240-9E36-4B63-8EDD-71E2048E6C75}" type="datetimeFigureOut">
               <a:rPr lang="ko-KR" altLang="en-US" smtClean="0"/>
-              <a:t>2017-06-02</a:t>
+              <a:t>2018-02-28</a:t>
             </a:fld>
             <a:endParaRPr lang="ko-KR" altLang="en-US"/>
           </a:p>
@@ -2588,7 +2588,7 @@
           <a:p>
             <a:fld id="{0A8EF240-9E36-4B63-8EDD-71E2048E6C75}" type="datetimeFigureOut">
               <a:rPr lang="ko-KR" altLang="en-US" smtClean="0"/>
-              <a:t>2017-06-02</a:t>
+              <a:t>2018-02-28</a:t>
             </a:fld>
             <a:endParaRPr lang="ko-KR" altLang="en-US"/>
           </a:p>
@@ -8018,15 +8018,7 @@
             </a:r>
             <a:r>
               <a:rPr lang="en-US" altLang="ko-KR" dirty="0" smtClean="0"/>
-              <a:t>=1</a:t>
-            </a:r>
-            <a:r>
-              <a:rPr lang="en-US" altLang="ko-KR" dirty="0" smtClean="0"/>
-              <a:t>)</a:t>
-            </a:r>
-            <a:r>
-              <a:rPr lang="en-US" altLang="ko-KR" dirty="0" smtClean="0"/>
-              <a:t/>
+              <a:t>=1)</a:t>
             </a:r>
             <a:br>
               <a:rPr lang="en-US" altLang="ko-KR" dirty="0" smtClean="0"/>
@@ -10058,7 +10050,11 @@
             </a:pPr>
             <a:r>
               <a:rPr lang="en-US" altLang="ko-KR" dirty="0" smtClean="0"/>
-              <a:t>print "P(both | older):", </a:t>
+              <a:t>print("P(both </a:t>
+            </a:r>
+            <a:r>
+              <a:rPr lang="en-US" altLang="ko-KR" dirty="0" smtClean="0"/>
+              <a:t>| older):", </a:t>
             </a:r>
             <a:r>
               <a:rPr lang="en-US" altLang="ko-KR" dirty="0" err="1" smtClean="0"/>
@@ -10073,9 +10069,10 @@
               <a:t>older_girl</a:t>
             </a:r>
             <a:r>
-              <a:rPr lang="en-US" altLang="ko-KR" dirty="0" smtClean="0"/>
-              <a:t>      </a:t>
-            </a:r>
+              <a:rPr lang="en-US" altLang="ko-KR" dirty="0"/>
+              <a:t>)</a:t>
+            </a:r>
+            <a:endParaRPr lang="en-US" altLang="ko-KR" dirty="0" smtClean="0"/>
           </a:p>
           <a:p>
             <a:pPr marL="0" indent="0">
@@ -10083,7 +10080,11 @@
             </a:pPr>
             <a:r>
               <a:rPr lang="en-US" altLang="ko-KR" dirty="0" smtClean="0"/>
-              <a:t>print "P(both | either): ", </a:t>
+              <a:t>print("P(both </a:t>
+            </a:r>
+            <a:r>
+              <a:rPr lang="en-US" altLang="ko-KR" dirty="0" smtClean="0"/>
+              <a:t>| either): ", </a:t>
             </a:r>
             <a:r>
               <a:rPr lang="en-US" altLang="ko-KR" dirty="0" err="1" smtClean="0"/>
@@ -10096,6 +10097,10 @@
             <a:r>
               <a:rPr lang="en-US" altLang="ko-KR" dirty="0" err="1" smtClean="0"/>
               <a:t>either_girl</a:t>
+            </a:r>
+            <a:r>
+              <a:rPr lang="en-US" altLang="ko-KR" smtClean="0"/>
+              <a:t>)</a:t>
             </a:r>
             <a:endParaRPr lang="ko-KR" altLang="en-US" dirty="0"/>
           </a:p>
